--- a/03-Data-Types.pptx
+++ b/03-Data-Types.pptx
@@ -4748,14 +4748,6 @@
               </a:rPr>
               <a:t> </a:t>
             </a:r>
-            <a:r>
-              <a:rPr lang="bg-BG" sz="4000" dirty="0" smtClean="0">
-                <a:solidFill>
-                  <a:srgbClr val="FF0000"/>
-                </a:solidFill>
-              </a:rPr>
-              <a:t>*</a:t>
-            </a:r>
             <a:endParaRPr lang="en-US" sz="2000" dirty="0" smtClean="0">
               <a:solidFill>
                 <a:schemeClr val="bg1">
@@ -4799,13 +4791,20 @@
               </a:rPr>
               <a:t>-тия символ от стринга, като резултат. </a:t>
             </a:r>
-            <a:r>
-              <a:rPr lang="bg-BG" sz="3600" dirty="0" smtClean="0">
-                <a:solidFill>
-                  <a:srgbClr val="FF0000"/>
-                </a:solidFill>
-              </a:rPr>
-              <a:t>*</a:t>
+            <a:endParaRPr lang="en-US" sz="3600" dirty="0" smtClean="0">
+              <a:solidFill>
+                <a:srgbClr val="FF0000"/>
+              </a:solidFill>
+            </a:endParaRPr>
+          </a:p>
+          <a:p>
+            <a:pPr>
+              <a:buFont typeface="Wingdings" panose="05000000000000000000" pitchFamily="2" charset="2"/>
+              <a:buChar char="§"/>
+            </a:pPr>
+            <a:r>
+              <a:rPr lang="ru-RU" sz="2000" dirty="0"/>
+              <a:t>Напишете програма, която принтира фигура във формата на сърце със знака "o".</a:t>
             </a:r>
             <a:endParaRPr lang="ru-RU" sz="2000" dirty="0">
               <a:solidFill>
@@ -5606,7 +5605,17 @@
                   </a:schemeClr>
                 </a:solidFill>
               </a:rPr>
-              <a:t> </a:t>
+              <a:t> – </a:t>
+            </a:r>
+            <a:r>
+              <a:rPr lang="bg-BG" sz="2400" dirty="0" smtClean="0">
+                <a:solidFill>
+                  <a:schemeClr val="bg1">
+                    <a:lumMod val="95000"/>
+                  </a:schemeClr>
+                </a:solidFill>
+              </a:rPr>
+              <a:t>стойностен тип 8 бита, </a:t>
             </a:r>
             <a:r>
               <a:rPr lang="en-US" sz="2400" dirty="0" smtClean="0">
@@ -5616,37 +5625,7 @@
                   </a:schemeClr>
                 </a:solidFill>
               </a:rPr>
-              <a:t>– </a:t>
-            </a:r>
-            <a:r>
-              <a:rPr lang="bg-BG" sz="2400" dirty="0" smtClean="0">
-                <a:solidFill>
-                  <a:schemeClr val="bg1">
-                    <a:lumMod val="95000"/>
-                  </a:schemeClr>
-                </a:solidFill>
-              </a:rPr>
-              <a:t>стойностен тип 8 бита, </a:t>
-            </a:r>
-            <a:r>
-              <a:rPr lang="en-US" sz="2400" dirty="0" smtClean="0">
-                <a:solidFill>
-                  <a:schemeClr val="bg1">
-                    <a:lumMod val="95000"/>
-                  </a:schemeClr>
-                </a:solidFill>
-              </a:rPr>
-              <a:t>default: 0, </a:t>
-            </a:r>
-            <a:r>
-              <a:rPr lang="en-US" sz="2400" dirty="0" smtClean="0">
-                <a:solidFill>
-                  <a:schemeClr val="bg1">
-                    <a:lumMod val="95000"/>
-                  </a:schemeClr>
-                </a:solidFill>
-              </a:rPr>
-              <a:t>[-128, +127]</a:t>
+              <a:t>default: 0, [-128, +127]</a:t>
             </a:r>
           </a:p>
           <a:p>
@@ -5898,17 +5877,7 @@
                   </a:schemeClr>
                 </a:solidFill>
               </a:rPr>
-              <a:t>[-2147483648, +214748647</a:t>
-            </a:r>
-            <a:r>
-              <a:rPr lang="en-US" sz="2400" dirty="0" smtClean="0">
-                <a:solidFill>
-                  <a:schemeClr val="bg1">
-                    <a:lumMod val="95000"/>
-                  </a:schemeClr>
-                </a:solidFill>
-              </a:rPr>
-              <a:t>]</a:t>
+              <a:t>[-2147483648, +214748647]</a:t>
             </a:r>
           </a:p>
           <a:p>
@@ -6017,17 +5986,7 @@
                   </a:schemeClr>
                 </a:solidFill>
               </a:rPr>
-              <a:t> </a:t>
-            </a:r>
-            <a:r>
-              <a:rPr lang="en-US" sz="2400" dirty="0" smtClean="0">
-                <a:solidFill>
-                  <a:schemeClr val="bg1">
-                    <a:lumMod val="95000"/>
-                  </a:schemeClr>
-                </a:solidFill>
-              </a:rPr>
-              <a:t>– </a:t>
+              <a:t> – </a:t>
             </a:r>
             <a:r>
               <a:rPr lang="bg-BG" sz="2400" dirty="0">
@@ -6173,17 +6132,7 @@
                   </a:schemeClr>
                 </a:solidFill>
               </a:rPr>
-              <a:t>‘\u0000’, [0, +65535</a:t>
-            </a:r>
-            <a:r>
-              <a:rPr lang="en-US" sz="2400" dirty="0" smtClean="0">
-                <a:solidFill>
-                  <a:schemeClr val="bg1">
-                    <a:lumMod val="95000"/>
-                  </a:schemeClr>
-                </a:solidFill>
-              </a:rPr>
-              <a:t>]</a:t>
+              <a:t>‘\u0000’, [0, +65535]</a:t>
             </a:r>
             <a:endParaRPr lang="bg-BG" sz="2400" dirty="0" smtClean="0">
               <a:solidFill>
@@ -6515,17 +6464,7 @@
                   </a:schemeClr>
                 </a:solidFill>
               </a:rPr>
-              <a:t> </a:t>
-            </a:r>
-            <a:r>
-              <a:rPr lang="en-US" sz="2400" dirty="0" smtClean="0">
-                <a:solidFill>
-                  <a:schemeClr val="bg1">
-                    <a:lumMod val="95000"/>
-                  </a:schemeClr>
-                </a:solidFill>
-              </a:rPr>
-              <a:t>– </a:t>
+              <a:t> – </a:t>
             </a:r>
             <a:r>
               <a:rPr lang="bg-BG" sz="2400" dirty="0">
@@ -6671,17 +6610,7 @@
                   </a:schemeClr>
                 </a:solidFill>
               </a:rPr>
-              <a:t>0.0d, [-1.7E+308, +1.7E+308</a:t>
-            </a:r>
-            <a:r>
-              <a:rPr lang="en-US" sz="2400" dirty="0" smtClean="0">
-                <a:solidFill>
-                  <a:schemeClr val="bg1">
-                    <a:lumMod val="95000"/>
-                  </a:schemeClr>
-                </a:solidFill>
-              </a:rPr>
-              <a:t>]</a:t>
+              <a:t>0.0d, [-1.7E+308, +1.7E+308]</a:t>
             </a:r>
           </a:p>
           <a:p>

--- a/03-Data-Types.pptx
+++ b/03-Data-Types.pptx
@@ -4747,6 +4747,14 @@
                 </a:solidFill>
               </a:rPr>
               <a:t> </a:t>
+            </a:r>
+            <a:r>
+              <a:rPr lang="en-US" sz="2000" dirty="0" smtClean="0">
+                <a:solidFill>
+                  <a:srgbClr val="FF0000"/>
+                </a:solidFill>
+              </a:rPr>
+              <a:t>*</a:t>
             </a:r>
             <a:endParaRPr lang="en-US" sz="2000" dirty="0" smtClean="0">
               <a:solidFill>
